--- a/tex-v1/Presentation1.pptx
+++ b/tex-v1/Presentation1.pptx
@@ -288,7 +288,7 @@
           <a:p>
             <a:fld id="{C4EBD2D4-4D68-4C1B-8DA7-9E79A3A8BEE9}" type="datetimeFigureOut">
               <a:rPr lang="en-US" smtClean="0"/>
-              <a:t>11/5/2014</a:t>
+              <a:t>11/6/2014</a:t>
             </a:fld>
             <a:endParaRPr lang="en-US"/>
           </a:p>
@@ -458,7 +458,7 @@
           <a:p>
             <a:fld id="{C4EBD2D4-4D68-4C1B-8DA7-9E79A3A8BEE9}" type="datetimeFigureOut">
               <a:rPr lang="en-US" smtClean="0"/>
-              <a:t>11/5/2014</a:t>
+              <a:t>11/6/2014</a:t>
             </a:fld>
             <a:endParaRPr lang="en-US"/>
           </a:p>
@@ -638,7 +638,7 @@
           <a:p>
             <a:fld id="{C4EBD2D4-4D68-4C1B-8DA7-9E79A3A8BEE9}" type="datetimeFigureOut">
               <a:rPr lang="en-US" smtClean="0"/>
-              <a:t>11/5/2014</a:t>
+              <a:t>11/6/2014</a:t>
             </a:fld>
             <a:endParaRPr lang="en-US"/>
           </a:p>
@@ -808,7 +808,7 @@
           <a:p>
             <a:fld id="{C4EBD2D4-4D68-4C1B-8DA7-9E79A3A8BEE9}" type="datetimeFigureOut">
               <a:rPr lang="en-US" smtClean="0"/>
-              <a:t>11/5/2014</a:t>
+              <a:t>11/6/2014</a:t>
             </a:fld>
             <a:endParaRPr lang="en-US"/>
           </a:p>
@@ -1054,7 +1054,7 @@
           <a:p>
             <a:fld id="{C4EBD2D4-4D68-4C1B-8DA7-9E79A3A8BEE9}" type="datetimeFigureOut">
               <a:rPr lang="en-US" smtClean="0"/>
-              <a:t>11/5/2014</a:t>
+              <a:t>11/6/2014</a:t>
             </a:fld>
             <a:endParaRPr lang="en-US"/>
           </a:p>
@@ -1342,7 +1342,7 @@
           <a:p>
             <a:fld id="{C4EBD2D4-4D68-4C1B-8DA7-9E79A3A8BEE9}" type="datetimeFigureOut">
               <a:rPr lang="en-US" smtClean="0"/>
-              <a:t>11/5/2014</a:t>
+              <a:t>11/6/2014</a:t>
             </a:fld>
             <a:endParaRPr lang="en-US"/>
           </a:p>
@@ -1764,7 +1764,7 @@
           <a:p>
             <a:fld id="{C4EBD2D4-4D68-4C1B-8DA7-9E79A3A8BEE9}" type="datetimeFigureOut">
               <a:rPr lang="en-US" smtClean="0"/>
-              <a:t>11/5/2014</a:t>
+              <a:t>11/6/2014</a:t>
             </a:fld>
             <a:endParaRPr lang="en-US"/>
           </a:p>
@@ -1882,7 +1882,7 @@
           <a:p>
             <a:fld id="{C4EBD2D4-4D68-4C1B-8DA7-9E79A3A8BEE9}" type="datetimeFigureOut">
               <a:rPr lang="en-US" smtClean="0"/>
-              <a:t>11/5/2014</a:t>
+              <a:t>11/6/2014</a:t>
             </a:fld>
             <a:endParaRPr lang="en-US"/>
           </a:p>
@@ -1977,7 +1977,7 @@
           <a:p>
             <a:fld id="{C4EBD2D4-4D68-4C1B-8DA7-9E79A3A8BEE9}" type="datetimeFigureOut">
               <a:rPr lang="en-US" smtClean="0"/>
-              <a:t>11/5/2014</a:t>
+              <a:t>11/6/2014</a:t>
             </a:fld>
             <a:endParaRPr lang="en-US"/>
           </a:p>
@@ -2254,7 +2254,7 @@
           <a:p>
             <a:fld id="{C4EBD2D4-4D68-4C1B-8DA7-9E79A3A8BEE9}" type="datetimeFigureOut">
               <a:rPr lang="en-US" smtClean="0"/>
-              <a:t>11/5/2014</a:t>
+              <a:t>11/6/2014</a:t>
             </a:fld>
             <a:endParaRPr lang="en-US"/>
           </a:p>
@@ -2507,7 +2507,7 @@
           <a:p>
             <a:fld id="{C4EBD2D4-4D68-4C1B-8DA7-9E79A3A8BEE9}" type="datetimeFigureOut">
               <a:rPr lang="en-US" smtClean="0"/>
-              <a:t>11/5/2014</a:t>
+              <a:t>11/6/2014</a:t>
             </a:fld>
             <a:endParaRPr lang="en-US"/>
           </a:p>
@@ -2720,7 +2720,7 @@
           <a:p>
             <a:fld id="{C4EBD2D4-4D68-4C1B-8DA7-9E79A3A8BEE9}" type="datetimeFigureOut">
               <a:rPr lang="en-US" smtClean="0"/>
-              <a:t>11/5/2014</a:t>
+              <a:t>11/6/2014</a:t>
             </a:fld>
             <a:endParaRPr lang="en-US"/>
           </a:p>
@@ -5663,8 +5663,8 @@
           </a:p>
         </p:txBody>
       </p:sp>
-      <mc:AlternateContent xmlns:mc="http://schemas.openxmlformats.org/markup-compatibility/2006">
-        <mc:Choice xmlns:a14="http://schemas.microsoft.com/office/drawing/2010/main" Requires="a14">
+      <mc:AlternateContent xmlns:mc="http://schemas.openxmlformats.org/markup-compatibility/2006" xmlns:a14="http://schemas.microsoft.com/office/drawing/2010/main">
+        <mc:Choice Requires="a14">
           <p:sp>
             <p:nvSpPr>
               <p:cNvPr id="60" name="TextBox 59"/>
@@ -5727,7 +5727,7 @@
             </p:txBody>
           </p:sp>
         </mc:Choice>
-        <mc:Fallback>
+        <mc:Fallback xmlns="">
           <p:sp>
             <p:nvSpPr>
               <p:cNvPr id="60" name="TextBox 59"/>
@@ -5766,8 +5766,8 @@
           </p:sp>
         </mc:Fallback>
       </mc:AlternateContent>
-      <mc:AlternateContent xmlns:mc="http://schemas.openxmlformats.org/markup-compatibility/2006">
-        <mc:Choice xmlns:a14="http://schemas.microsoft.com/office/drawing/2010/main" Requires="a14">
+      <mc:AlternateContent xmlns:mc="http://schemas.openxmlformats.org/markup-compatibility/2006" xmlns:a14="http://schemas.microsoft.com/office/drawing/2010/main">
+        <mc:Choice Requires="a14">
           <p:sp>
             <p:nvSpPr>
               <p:cNvPr id="61" name="TextBox 60"/>
@@ -5830,7 +5830,7 @@
             </p:txBody>
           </p:sp>
         </mc:Choice>
-        <mc:Fallback>
+        <mc:Fallback xmlns="">
           <p:sp>
             <p:nvSpPr>
               <p:cNvPr id="61" name="TextBox 60"/>
@@ -5869,8 +5869,8 @@
           </p:sp>
         </mc:Fallback>
       </mc:AlternateContent>
-      <mc:AlternateContent xmlns:mc="http://schemas.openxmlformats.org/markup-compatibility/2006">
-        <mc:Choice xmlns:a14="http://schemas.microsoft.com/office/drawing/2010/main" Requires="a14">
+      <mc:AlternateContent xmlns:mc="http://schemas.openxmlformats.org/markup-compatibility/2006" xmlns:a14="http://schemas.microsoft.com/office/drawing/2010/main">
+        <mc:Choice Requires="a14">
           <p:sp>
             <p:nvSpPr>
               <p:cNvPr id="62" name="TextBox 61"/>
@@ -5933,7 +5933,7 @@
             </p:txBody>
           </p:sp>
         </mc:Choice>
-        <mc:Fallback>
+        <mc:Fallback xmlns="">
           <p:sp>
             <p:nvSpPr>
               <p:cNvPr id="62" name="TextBox 61"/>
@@ -5972,8 +5972,8 @@
           </p:sp>
         </mc:Fallback>
       </mc:AlternateContent>
-      <mc:AlternateContent xmlns:mc="http://schemas.openxmlformats.org/markup-compatibility/2006">
-        <mc:Choice xmlns:a14="http://schemas.microsoft.com/office/drawing/2010/main" Requires="a14">
+      <mc:AlternateContent xmlns:mc="http://schemas.openxmlformats.org/markup-compatibility/2006" xmlns:a14="http://schemas.microsoft.com/office/drawing/2010/main">
+        <mc:Choice Requires="a14">
           <p:sp>
             <p:nvSpPr>
               <p:cNvPr id="63" name="TextBox 62"/>
@@ -6036,7 +6036,7 @@
             </p:txBody>
           </p:sp>
         </mc:Choice>
-        <mc:Fallback>
+        <mc:Fallback xmlns="">
           <p:sp>
             <p:nvSpPr>
               <p:cNvPr id="63" name="TextBox 62"/>
@@ -6075,8 +6075,8 @@
           </p:sp>
         </mc:Fallback>
       </mc:AlternateContent>
-      <mc:AlternateContent xmlns:mc="http://schemas.openxmlformats.org/markup-compatibility/2006">
-        <mc:Choice xmlns:a14="http://schemas.microsoft.com/office/drawing/2010/main" Requires="a14">
+      <mc:AlternateContent xmlns:mc="http://schemas.openxmlformats.org/markup-compatibility/2006" xmlns:a14="http://schemas.microsoft.com/office/drawing/2010/main">
+        <mc:Choice Requires="a14">
           <p:sp>
             <p:nvSpPr>
               <p:cNvPr id="64" name="TextBox 63"/>
@@ -6139,7 +6139,7 @@
             </p:txBody>
           </p:sp>
         </mc:Choice>
-        <mc:Fallback>
+        <mc:Fallback xmlns="">
           <p:sp>
             <p:nvSpPr>
               <p:cNvPr id="64" name="TextBox 63"/>
@@ -6178,8 +6178,8 @@
           </p:sp>
         </mc:Fallback>
       </mc:AlternateContent>
-      <mc:AlternateContent xmlns:mc="http://schemas.openxmlformats.org/markup-compatibility/2006">
-        <mc:Choice xmlns:a14="http://schemas.microsoft.com/office/drawing/2010/main" Requires="a14">
+      <mc:AlternateContent xmlns:mc="http://schemas.openxmlformats.org/markup-compatibility/2006" xmlns:a14="http://schemas.microsoft.com/office/drawing/2010/main">
+        <mc:Choice Requires="a14">
           <p:sp>
             <p:nvSpPr>
               <p:cNvPr id="65" name="TextBox 64"/>
@@ -6242,7 +6242,7 @@
             </p:txBody>
           </p:sp>
         </mc:Choice>
-        <mc:Fallback>
+        <mc:Fallback xmlns="">
           <p:sp>
             <p:nvSpPr>
               <p:cNvPr id="65" name="TextBox 64"/>
@@ -6281,8 +6281,8 @@
           </p:sp>
         </mc:Fallback>
       </mc:AlternateContent>
-      <mc:AlternateContent xmlns:mc="http://schemas.openxmlformats.org/markup-compatibility/2006">
-        <mc:Choice xmlns:a14="http://schemas.microsoft.com/office/drawing/2010/main" Requires="a14">
+      <mc:AlternateContent xmlns:mc="http://schemas.openxmlformats.org/markup-compatibility/2006" xmlns:a14="http://schemas.microsoft.com/office/drawing/2010/main">
+        <mc:Choice Requires="a14">
           <p:sp>
             <p:nvSpPr>
               <p:cNvPr id="66" name="TextBox 65"/>
@@ -6345,7 +6345,7 @@
             </p:txBody>
           </p:sp>
         </mc:Choice>
-        <mc:Fallback>
+        <mc:Fallback xmlns="">
           <p:sp>
             <p:nvSpPr>
               <p:cNvPr id="66" name="TextBox 65"/>
@@ -6384,8 +6384,8 @@
           </p:sp>
         </mc:Fallback>
       </mc:AlternateContent>
-      <mc:AlternateContent xmlns:mc="http://schemas.openxmlformats.org/markup-compatibility/2006">
-        <mc:Choice xmlns:a14="http://schemas.microsoft.com/office/drawing/2010/main" Requires="a14">
+      <mc:AlternateContent xmlns:mc="http://schemas.openxmlformats.org/markup-compatibility/2006" xmlns:a14="http://schemas.microsoft.com/office/drawing/2010/main">
+        <mc:Choice Requires="a14">
           <p:sp>
             <p:nvSpPr>
               <p:cNvPr id="67" name="TextBox 66"/>
@@ -6448,7 +6448,7 @@
             </p:txBody>
           </p:sp>
         </mc:Choice>
-        <mc:Fallback>
+        <mc:Fallback xmlns="">
           <p:sp>
             <p:nvSpPr>
               <p:cNvPr id="67" name="TextBox 66"/>
@@ -6487,6 +6487,1408 @@
           </p:sp>
         </mc:Fallback>
       </mc:AlternateContent>
+      <p:cxnSp>
+        <p:nvCxnSpPr>
+          <p:cNvPr id="68" name="Straight Arrow Connector 67"/>
+          <p:cNvCxnSpPr/>
+          <p:nvPr/>
+        </p:nvCxnSpPr>
+        <p:spPr>
+          <a:xfrm>
+            <a:off x="4033837" y="4876800"/>
+            <a:ext cx="2672734" cy="0"/>
+          </a:xfrm>
+          <a:prstGeom prst="straightConnector1">
+            <a:avLst/>
+          </a:prstGeom>
+          <a:ln>
+            <a:solidFill>
+              <a:schemeClr val="tx1"/>
+            </a:solidFill>
+            <a:tailEnd type="arrow"/>
+          </a:ln>
+        </p:spPr>
+        <p:style>
+          <a:lnRef idx="1">
+            <a:schemeClr val="accent1"/>
+          </a:lnRef>
+          <a:fillRef idx="0">
+            <a:schemeClr val="accent1"/>
+          </a:fillRef>
+          <a:effectRef idx="0">
+            <a:schemeClr val="accent1"/>
+          </a:effectRef>
+          <a:fontRef idx="minor">
+            <a:schemeClr val="tx1"/>
+          </a:fontRef>
+        </p:style>
+      </p:cxnSp>
+      <mc:AlternateContent xmlns:mc="http://schemas.openxmlformats.org/markup-compatibility/2006" xmlns:a14="http://schemas.microsoft.com/office/drawing/2010/main">
+        <mc:Choice Requires="a14">
+          <p:sp>
+            <p:nvSpPr>
+              <p:cNvPr id="69" name="TextBox 68"/>
+              <p:cNvSpPr txBox="1"/>
+              <p:nvPr/>
+            </p:nvSpPr>
+            <p:spPr>
+              <a:xfrm>
+                <a:off x="4612844" y="4876800"/>
+                <a:ext cx="413959" cy="307777"/>
+              </a:xfrm>
+              <a:prstGeom prst="rect">
+                <a:avLst/>
+              </a:prstGeom>
+              <a:noFill/>
+            </p:spPr>
+            <p:txBody>
+              <a:bodyPr wrap="none" rtlCol="0">
+                <a:spAutoFit/>
+              </a:bodyPr>
+              <a:lstStyle/>
+              <a:p>
+                <a:pPr/>
+                <a14:m>
+                  <m:oMathPara xmlns:m="http://schemas.openxmlformats.org/officeDocument/2006/math">
+                    <m:oMathParaPr>
+                      <m:jc m:val="centerGroup"/>
+                    </m:oMathParaPr>
+                    <m:oMath xmlns:m="http://schemas.openxmlformats.org/officeDocument/2006/math">
+                      <m:sSub>
+                        <m:sSubPr>
+                          <m:ctrlPr>
+                            <a:rPr lang="en-US" sz="1400" b="0" i="1" smtClean="0">
+                              <a:latin typeface="Cambria Math"/>
+                            </a:rPr>
+                          </m:ctrlPr>
+                        </m:sSubPr>
+                        <m:e>
+                          <m:r>
+                            <a:rPr lang="en-US" sz="1400" b="0" i="1" smtClean="0">
+                              <a:latin typeface="Cambria Math"/>
+                            </a:rPr>
+                            <m:t>𝑎</m:t>
+                          </m:r>
+                        </m:e>
+                        <m:sub>
+                          <m:r>
+                            <a:rPr lang="en-US" sz="1400" b="0" i="1" smtClean="0">
+                              <a:latin typeface="Cambria Math"/>
+                            </a:rPr>
+                            <m:t>𝑘</m:t>
+                          </m:r>
+                        </m:sub>
+                      </m:sSub>
+                    </m:oMath>
+                  </m:oMathPara>
+                </a14:m>
+                <a:endParaRPr lang="en-US" sz="1400" dirty="0"/>
+              </a:p>
+            </p:txBody>
+          </p:sp>
+        </mc:Choice>
+        <mc:Fallback xmlns="">
+          <p:sp>
+            <p:nvSpPr>
+              <p:cNvPr id="69" name="TextBox 68"/>
+              <p:cNvSpPr txBox="1">
+                <a:spLocks noRot="1" noChangeAspect="1" noMove="1" noResize="1" noEditPoints="1" noAdjustHandles="1" noChangeArrowheads="1" noChangeShapeType="1" noTextEdit="1"/>
+              </p:cNvSpPr>
+              <p:nvPr/>
+            </p:nvSpPr>
+            <p:spPr>
+              <a:xfrm>
+                <a:off x="4612844" y="4876800"/>
+                <a:ext cx="413959" cy="307777"/>
+              </a:xfrm>
+              <a:prstGeom prst="rect">
+                <a:avLst/>
+              </a:prstGeom>
+              <a:blipFill rotWithShape="1">
+                <a:blip r:embed="rId10"/>
+                <a:stretch>
+                  <a:fillRect/>
+                </a:stretch>
+              </a:blipFill>
+            </p:spPr>
+            <p:txBody>
+              <a:bodyPr/>
+              <a:lstStyle/>
+              <a:p>
+                <a:r>
+                  <a:rPr lang="en-US">
+                    <a:noFill/>
+                  </a:rPr>
+                  <a:t> </a:t>
+                </a:r>
+              </a:p>
+            </p:txBody>
+          </p:sp>
+        </mc:Fallback>
+      </mc:AlternateContent>
+      <mc:AlternateContent xmlns:mc="http://schemas.openxmlformats.org/markup-compatibility/2006" xmlns:a14="http://schemas.microsoft.com/office/drawing/2010/main">
+        <mc:Choice Requires="a14">
+          <p:sp>
+            <p:nvSpPr>
+              <p:cNvPr id="70" name="TextBox 69"/>
+              <p:cNvSpPr txBox="1"/>
+              <p:nvPr/>
+            </p:nvSpPr>
+            <p:spPr>
+              <a:xfrm>
+                <a:off x="5217296" y="4900614"/>
+                <a:ext cx="405047" cy="307777"/>
+              </a:xfrm>
+              <a:prstGeom prst="rect">
+                <a:avLst/>
+              </a:prstGeom>
+              <a:noFill/>
+            </p:spPr>
+            <p:txBody>
+              <a:bodyPr wrap="none" rtlCol="0">
+                <a:spAutoFit/>
+              </a:bodyPr>
+              <a:lstStyle/>
+              <a:p>
+                <a:pPr/>
+                <a14:m>
+                  <m:oMathPara xmlns:m="http://schemas.openxmlformats.org/officeDocument/2006/math">
+                    <m:oMathParaPr>
+                      <m:jc m:val="centerGroup"/>
+                    </m:oMathParaPr>
+                    <m:oMath xmlns:m="http://schemas.openxmlformats.org/officeDocument/2006/math">
+                      <m:sSub>
+                        <m:sSubPr>
+                          <m:ctrlPr>
+                            <a:rPr lang="en-US" sz="1400" b="0" i="1" smtClean="0">
+                              <a:latin typeface="Cambria Math"/>
+                            </a:rPr>
+                          </m:ctrlPr>
+                        </m:sSubPr>
+                        <m:e>
+                          <m:r>
+                            <a:rPr lang="en-US" sz="1400" b="0" i="1" smtClean="0">
+                              <a:latin typeface="Cambria Math"/>
+                            </a:rPr>
+                            <m:t>𝑏</m:t>
+                          </m:r>
+                        </m:e>
+                        <m:sub>
+                          <m:r>
+                            <a:rPr lang="en-US" sz="1400" b="0" i="1" smtClean="0">
+                              <a:latin typeface="Cambria Math"/>
+                            </a:rPr>
+                            <m:t>𝑘</m:t>
+                          </m:r>
+                        </m:sub>
+                      </m:sSub>
+                    </m:oMath>
+                  </m:oMathPara>
+                </a14:m>
+                <a:endParaRPr lang="en-US" sz="1400" dirty="0"/>
+              </a:p>
+            </p:txBody>
+          </p:sp>
+        </mc:Choice>
+        <mc:Fallback xmlns="">
+          <p:sp>
+            <p:nvSpPr>
+              <p:cNvPr id="70" name="TextBox 69"/>
+              <p:cNvSpPr txBox="1">
+                <a:spLocks noRot="1" noChangeAspect="1" noMove="1" noResize="1" noEditPoints="1" noAdjustHandles="1" noChangeArrowheads="1" noChangeShapeType="1" noTextEdit="1"/>
+              </p:cNvSpPr>
+              <p:nvPr/>
+            </p:nvSpPr>
+            <p:spPr>
+              <a:xfrm>
+                <a:off x="5217296" y="4900614"/>
+                <a:ext cx="405047" cy="307777"/>
+              </a:xfrm>
+              <a:prstGeom prst="rect">
+                <a:avLst/>
+              </a:prstGeom>
+              <a:blipFill rotWithShape="1">
+                <a:blip r:embed="rId11"/>
+                <a:stretch>
+                  <a:fillRect/>
+                </a:stretch>
+              </a:blipFill>
+            </p:spPr>
+            <p:txBody>
+              <a:bodyPr/>
+              <a:lstStyle/>
+              <a:p>
+                <a:r>
+                  <a:rPr lang="en-US">
+                    <a:noFill/>
+                  </a:rPr>
+                  <a:t> </a:t>
+                </a:r>
+              </a:p>
+            </p:txBody>
+          </p:sp>
+        </mc:Fallback>
+      </mc:AlternateContent>
+      <mc:AlternateContent xmlns:mc="http://schemas.openxmlformats.org/markup-compatibility/2006" xmlns:a14="http://schemas.microsoft.com/office/drawing/2010/main">
+        <mc:Choice Requires="a14">
+          <p:sp>
+            <p:nvSpPr>
+              <p:cNvPr id="71" name="TextBox 70"/>
+              <p:cNvSpPr txBox="1"/>
+              <p:nvPr/>
+            </p:nvSpPr>
+            <p:spPr>
+              <a:xfrm>
+                <a:off x="1616365" y="4900615"/>
+                <a:ext cx="413959" cy="307777"/>
+              </a:xfrm>
+              <a:prstGeom prst="rect">
+                <a:avLst/>
+              </a:prstGeom>
+              <a:noFill/>
+            </p:spPr>
+            <p:txBody>
+              <a:bodyPr wrap="none" rtlCol="0">
+                <a:spAutoFit/>
+              </a:bodyPr>
+              <a:lstStyle/>
+              <a:p>
+                <a:pPr/>
+                <a14:m>
+                  <m:oMathPara xmlns:m="http://schemas.openxmlformats.org/officeDocument/2006/math">
+                    <m:oMathParaPr>
+                      <m:jc m:val="centerGroup"/>
+                    </m:oMathParaPr>
+                    <m:oMath xmlns:m="http://schemas.openxmlformats.org/officeDocument/2006/math">
+                      <m:sSub>
+                        <m:sSubPr>
+                          <m:ctrlPr>
+                            <a:rPr lang="en-US" sz="1400" b="0" i="1" smtClean="0">
+                              <a:latin typeface="Cambria Math"/>
+                            </a:rPr>
+                          </m:ctrlPr>
+                        </m:sSubPr>
+                        <m:e>
+                          <m:r>
+                            <a:rPr lang="en-US" sz="1400" b="0" i="1" smtClean="0">
+                              <a:latin typeface="Cambria Math"/>
+                            </a:rPr>
+                            <m:t>𝑎</m:t>
+                          </m:r>
+                        </m:e>
+                        <m:sub>
+                          <m:r>
+                            <a:rPr lang="en-US" sz="1400" b="0" i="1" smtClean="0">
+                              <a:latin typeface="Cambria Math"/>
+                            </a:rPr>
+                            <m:t>1</m:t>
+                          </m:r>
+                        </m:sub>
+                      </m:sSub>
+                    </m:oMath>
+                  </m:oMathPara>
+                </a14:m>
+                <a:endParaRPr lang="en-US" sz="1400" dirty="0"/>
+              </a:p>
+            </p:txBody>
+          </p:sp>
+        </mc:Choice>
+        <mc:Fallback xmlns="">
+          <p:sp>
+            <p:nvSpPr>
+              <p:cNvPr id="71" name="TextBox 70"/>
+              <p:cNvSpPr txBox="1">
+                <a:spLocks noRot="1" noChangeAspect="1" noMove="1" noResize="1" noEditPoints="1" noAdjustHandles="1" noChangeArrowheads="1" noChangeShapeType="1" noTextEdit="1"/>
+              </p:cNvSpPr>
+              <p:nvPr/>
+            </p:nvSpPr>
+            <p:spPr>
+              <a:xfrm>
+                <a:off x="1616365" y="4900615"/>
+                <a:ext cx="413959" cy="307777"/>
+              </a:xfrm>
+              <a:prstGeom prst="rect">
+                <a:avLst/>
+              </a:prstGeom>
+              <a:blipFill rotWithShape="1">
+                <a:blip r:embed="rId12"/>
+                <a:stretch>
+                  <a:fillRect/>
+                </a:stretch>
+              </a:blipFill>
+            </p:spPr>
+            <p:txBody>
+              <a:bodyPr/>
+              <a:lstStyle/>
+              <a:p>
+                <a:r>
+                  <a:rPr lang="en-US">
+                    <a:noFill/>
+                  </a:rPr>
+                  <a:t> </a:t>
+                </a:r>
+              </a:p>
+            </p:txBody>
+          </p:sp>
+        </mc:Fallback>
+      </mc:AlternateContent>
+      <mc:AlternateContent xmlns:mc="http://schemas.openxmlformats.org/markup-compatibility/2006" xmlns:a14="http://schemas.microsoft.com/office/drawing/2010/main">
+        <mc:Choice Requires="a14">
+          <p:sp>
+            <p:nvSpPr>
+              <p:cNvPr id="72" name="TextBox 71"/>
+              <p:cNvSpPr txBox="1"/>
+              <p:nvPr/>
+            </p:nvSpPr>
+            <p:spPr>
+              <a:xfrm>
+                <a:off x="2276380" y="4919659"/>
+                <a:ext cx="405047" cy="307777"/>
+              </a:xfrm>
+              <a:prstGeom prst="rect">
+                <a:avLst/>
+              </a:prstGeom>
+              <a:noFill/>
+            </p:spPr>
+            <p:txBody>
+              <a:bodyPr wrap="none" rtlCol="0">
+                <a:spAutoFit/>
+              </a:bodyPr>
+              <a:lstStyle/>
+              <a:p>
+                <a:pPr/>
+                <a14:m>
+                  <m:oMathPara xmlns:m="http://schemas.openxmlformats.org/officeDocument/2006/math">
+                    <m:oMathParaPr>
+                      <m:jc m:val="centerGroup"/>
+                    </m:oMathParaPr>
+                    <m:oMath xmlns:m="http://schemas.openxmlformats.org/officeDocument/2006/math">
+                      <m:sSub>
+                        <m:sSubPr>
+                          <m:ctrlPr>
+                            <a:rPr lang="en-US" sz="1400" b="0" i="1" smtClean="0">
+                              <a:latin typeface="Cambria Math"/>
+                            </a:rPr>
+                          </m:ctrlPr>
+                        </m:sSubPr>
+                        <m:e>
+                          <m:r>
+                            <a:rPr lang="en-US" sz="1400" b="0" i="1" smtClean="0">
+                              <a:latin typeface="Cambria Math"/>
+                            </a:rPr>
+                            <m:t>𝑏</m:t>
+                          </m:r>
+                        </m:e>
+                        <m:sub>
+                          <m:r>
+                            <a:rPr lang="en-US" sz="1400" b="0" i="1" smtClean="0">
+                              <a:latin typeface="Cambria Math"/>
+                            </a:rPr>
+                            <m:t>1</m:t>
+                          </m:r>
+                        </m:sub>
+                      </m:sSub>
+                    </m:oMath>
+                  </m:oMathPara>
+                </a14:m>
+                <a:endParaRPr lang="en-US" sz="1400" dirty="0"/>
+              </a:p>
+            </p:txBody>
+          </p:sp>
+        </mc:Choice>
+        <mc:Fallback xmlns="">
+          <p:sp>
+            <p:nvSpPr>
+              <p:cNvPr id="72" name="TextBox 71"/>
+              <p:cNvSpPr txBox="1">
+                <a:spLocks noRot="1" noChangeAspect="1" noMove="1" noResize="1" noEditPoints="1" noAdjustHandles="1" noChangeArrowheads="1" noChangeShapeType="1" noTextEdit="1"/>
+              </p:cNvSpPr>
+              <p:nvPr/>
+            </p:nvSpPr>
+            <p:spPr>
+              <a:xfrm>
+                <a:off x="2276380" y="4919659"/>
+                <a:ext cx="405047" cy="307777"/>
+              </a:xfrm>
+              <a:prstGeom prst="rect">
+                <a:avLst/>
+              </a:prstGeom>
+              <a:blipFill rotWithShape="1">
+                <a:blip r:embed="rId13"/>
+                <a:stretch>
+                  <a:fillRect/>
+                </a:stretch>
+              </a:blipFill>
+            </p:spPr>
+            <p:txBody>
+              <a:bodyPr/>
+              <a:lstStyle/>
+              <a:p>
+                <a:r>
+                  <a:rPr lang="en-US">
+                    <a:noFill/>
+                  </a:rPr>
+                  <a:t> </a:t>
+                </a:r>
+              </a:p>
+            </p:txBody>
+          </p:sp>
+        </mc:Fallback>
+      </mc:AlternateContent>
+      <p:sp>
+        <p:nvSpPr>
+          <p:cNvPr id="73" name="Oval 72"/>
+          <p:cNvSpPr/>
+          <p:nvPr/>
+        </p:nvSpPr>
+        <p:spPr>
+          <a:xfrm>
+            <a:off x="1779323" y="4843459"/>
+            <a:ext cx="76200" cy="76200"/>
+          </a:xfrm>
+          <a:prstGeom prst="ellipse">
+            <a:avLst/>
+          </a:prstGeom>
+          <a:solidFill>
+            <a:schemeClr val="tx1"/>
+          </a:solidFill>
+          <a:ln>
+            <a:noFill/>
+          </a:ln>
+        </p:spPr>
+        <p:style>
+          <a:lnRef idx="2">
+            <a:schemeClr val="accent1">
+              <a:shade val="50000"/>
+            </a:schemeClr>
+          </a:lnRef>
+          <a:fillRef idx="1">
+            <a:schemeClr val="accent1"/>
+          </a:fillRef>
+          <a:effectRef idx="0">
+            <a:schemeClr val="accent1"/>
+          </a:effectRef>
+          <a:fontRef idx="minor">
+            <a:schemeClr val="lt1"/>
+          </a:fontRef>
+        </p:style>
+        <p:txBody>
+          <a:bodyPr rtlCol="0" anchor="ctr"/>
+          <a:lstStyle/>
+          <a:p>
+            <a:pPr algn="ctr"/>
+            <a:endParaRPr lang="en-US"/>
+          </a:p>
+        </p:txBody>
+      </p:sp>
+      <p:sp>
+        <p:nvSpPr>
+          <p:cNvPr id="74" name="Oval 73"/>
+          <p:cNvSpPr/>
+          <p:nvPr/>
+        </p:nvSpPr>
+        <p:spPr>
+          <a:xfrm>
+            <a:off x="2402704" y="4838700"/>
+            <a:ext cx="76200" cy="76200"/>
+          </a:xfrm>
+          <a:prstGeom prst="ellipse">
+            <a:avLst/>
+          </a:prstGeom>
+          <a:solidFill>
+            <a:schemeClr val="tx1"/>
+          </a:solidFill>
+          <a:ln>
+            <a:noFill/>
+          </a:ln>
+        </p:spPr>
+        <p:style>
+          <a:lnRef idx="2">
+            <a:schemeClr val="accent1">
+              <a:shade val="50000"/>
+            </a:schemeClr>
+          </a:lnRef>
+          <a:fillRef idx="1">
+            <a:schemeClr val="accent1"/>
+          </a:fillRef>
+          <a:effectRef idx="0">
+            <a:schemeClr val="accent1"/>
+          </a:effectRef>
+          <a:fontRef idx="minor">
+            <a:schemeClr val="lt1"/>
+          </a:fontRef>
+        </p:style>
+        <p:txBody>
+          <a:bodyPr rtlCol="0" anchor="ctr"/>
+          <a:lstStyle/>
+          <a:p>
+            <a:pPr algn="ctr"/>
+            <a:endParaRPr lang="en-US"/>
+          </a:p>
+        </p:txBody>
+      </p:sp>
+      <p:sp>
+        <p:nvSpPr>
+          <p:cNvPr id="75" name="Oval 74"/>
+          <p:cNvSpPr/>
+          <p:nvPr/>
+        </p:nvSpPr>
+        <p:spPr>
+          <a:xfrm>
+            <a:off x="2908542" y="4843455"/>
+            <a:ext cx="76200" cy="76200"/>
+          </a:xfrm>
+          <a:prstGeom prst="ellipse">
+            <a:avLst/>
+          </a:prstGeom>
+          <a:solidFill>
+            <a:schemeClr val="tx1"/>
+          </a:solidFill>
+          <a:ln>
+            <a:noFill/>
+          </a:ln>
+        </p:spPr>
+        <p:style>
+          <a:lnRef idx="2">
+            <a:schemeClr val="accent1">
+              <a:shade val="50000"/>
+            </a:schemeClr>
+          </a:lnRef>
+          <a:fillRef idx="1">
+            <a:schemeClr val="accent1"/>
+          </a:fillRef>
+          <a:effectRef idx="0">
+            <a:schemeClr val="accent1"/>
+          </a:effectRef>
+          <a:fontRef idx="minor">
+            <a:schemeClr val="lt1"/>
+          </a:fontRef>
+        </p:style>
+        <p:txBody>
+          <a:bodyPr rtlCol="0" anchor="ctr"/>
+          <a:lstStyle/>
+          <a:p>
+            <a:pPr algn="ctr"/>
+            <a:endParaRPr lang="en-US"/>
+          </a:p>
+        </p:txBody>
+      </p:sp>
+      <p:sp>
+        <p:nvSpPr>
+          <p:cNvPr id="76" name="Oval 75"/>
+          <p:cNvSpPr/>
+          <p:nvPr/>
+        </p:nvSpPr>
+        <p:spPr>
+          <a:xfrm>
+            <a:off x="3531923" y="4838696"/>
+            <a:ext cx="76200" cy="76200"/>
+          </a:xfrm>
+          <a:prstGeom prst="ellipse">
+            <a:avLst/>
+          </a:prstGeom>
+          <a:solidFill>
+            <a:schemeClr val="tx1"/>
+          </a:solidFill>
+          <a:ln>
+            <a:noFill/>
+          </a:ln>
+        </p:spPr>
+        <p:style>
+          <a:lnRef idx="2">
+            <a:schemeClr val="accent1">
+              <a:shade val="50000"/>
+            </a:schemeClr>
+          </a:lnRef>
+          <a:fillRef idx="1">
+            <a:schemeClr val="accent1"/>
+          </a:fillRef>
+          <a:effectRef idx="0">
+            <a:schemeClr val="accent1"/>
+          </a:effectRef>
+          <a:fontRef idx="minor">
+            <a:schemeClr val="lt1"/>
+          </a:fontRef>
+        </p:style>
+        <p:txBody>
+          <a:bodyPr rtlCol="0" anchor="ctr"/>
+          <a:lstStyle/>
+          <a:p>
+            <a:pPr algn="ctr"/>
+            <a:endParaRPr lang="en-US"/>
+          </a:p>
+        </p:txBody>
+      </p:sp>
+      <p:cxnSp>
+        <p:nvCxnSpPr>
+          <p:cNvPr id="77" name="Straight Arrow Connector 76"/>
+          <p:cNvCxnSpPr/>
+          <p:nvPr/>
+        </p:nvCxnSpPr>
+        <p:spPr>
+          <a:xfrm>
+            <a:off x="1358617" y="4876800"/>
+            <a:ext cx="2556161" cy="0"/>
+          </a:xfrm>
+          <a:prstGeom prst="straightConnector1">
+            <a:avLst/>
+          </a:prstGeom>
+          <a:ln>
+            <a:solidFill>
+              <a:schemeClr val="tx1"/>
+            </a:solidFill>
+            <a:tailEnd type="none"/>
+          </a:ln>
+        </p:spPr>
+        <p:style>
+          <a:lnRef idx="1">
+            <a:schemeClr val="accent1"/>
+          </a:lnRef>
+          <a:fillRef idx="0">
+            <a:schemeClr val="accent1"/>
+          </a:fillRef>
+          <a:effectRef idx="0">
+            <a:schemeClr val="accent1"/>
+          </a:effectRef>
+          <a:fontRef idx="minor">
+            <a:schemeClr val="tx1"/>
+          </a:fontRef>
+        </p:style>
+      </p:cxnSp>
+      <p:sp>
+        <p:nvSpPr>
+          <p:cNvPr id="82" name="Freeform 81"/>
+          <p:cNvSpPr/>
+          <p:nvPr/>
+        </p:nvSpPr>
+        <p:spPr>
+          <a:xfrm>
+            <a:off x="3760161" y="4552950"/>
+            <a:ext cx="227791" cy="738188"/>
+          </a:xfrm>
+          <a:custGeom>
+            <a:avLst/>
+            <a:gdLst>
+              <a:gd name="connsiteX0" fmla="*/ 87939 w 227791"/>
+              <a:gd name="connsiteY0" fmla="*/ 0 h 738188"/>
+              <a:gd name="connsiteX1" fmla="*/ 226052 w 227791"/>
+              <a:gd name="connsiteY1" fmla="*/ 223838 h 738188"/>
+              <a:gd name="connsiteX2" fmla="*/ 2214 w 227791"/>
+              <a:gd name="connsiteY2" fmla="*/ 509588 h 738188"/>
+              <a:gd name="connsiteX3" fmla="*/ 130802 w 227791"/>
+              <a:gd name="connsiteY3" fmla="*/ 738188 h 738188"/>
+            </a:gdLst>
+            <a:ahLst/>
+            <a:cxnLst>
+              <a:cxn ang="0">
+                <a:pos x="connsiteX0" y="connsiteY0"/>
+              </a:cxn>
+              <a:cxn ang="0">
+                <a:pos x="connsiteX1" y="connsiteY1"/>
+              </a:cxn>
+              <a:cxn ang="0">
+                <a:pos x="connsiteX2" y="connsiteY2"/>
+              </a:cxn>
+              <a:cxn ang="0">
+                <a:pos x="connsiteX3" y="connsiteY3"/>
+              </a:cxn>
+            </a:cxnLst>
+            <a:rect l="l" t="t" r="r" b="b"/>
+            <a:pathLst>
+              <a:path w="227791" h="738188">
+                <a:moveTo>
+                  <a:pt x="87939" y="0"/>
+                </a:moveTo>
+                <a:cubicBezTo>
+                  <a:pt x="164139" y="69453"/>
+                  <a:pt x="240340" y="138907"/>
+                  <a:pt x="226052" y="223838"/>
+                </a:cubicBezTo>
+                <a:cubicBezTo>
+                  <a:pt x="211765" y="308769"/>
+                  <a:pt x="18089" y="423863"/>
+                  <a:pt x="2214" y="509588"/>
+                </a:cubicBezTo>
+                <a:cubicBezTo>
+                  <a:pt x="-13661" y="595313"/>
+                  <a:pt x="58570" y="666750"/>
+                  <a:pt x="130802" y="738188"/>
+                </a:cubicBezTo>
+              </a:path>
+            </a:pathLst>
+          </a:custGeom>
+          <a:noFill/>
+          <a:ln w="9525">
+            <a:solidFill>
+              <a:schemeClr val="tx1"/>
+            </a:solidFill>
+          </a:ln>
+        </p:spPr>
+        <p:style>
+          <a:lnRef idx="2">
+            <a:schemeClr val="accent1">
+              <a:shade val="50000"/>
+            </a:schemeClr>
+          </a:lnRef>
+          <a:fillRef idx="1">
+            <a:schemeClr val="accent1"/>
+          </a:fillRef>
+          <a:effectRef idx="0">
+            <a:schemeClr val="accent1"/>
+          </a:effectRef>
+          <a:fontRef idx="minor">
+            <a:schemeClr val="lt1"/>
+          </a:fontRef>
+        </p:style>
+        <p:txBody>
+          <a:bodyPr rtlCol="0" anchor="ctr"/>
+          <a:lstStyle/>
+          <a:p>
+            <a:pPr algn="ctr"/>
+            <a:endParaRPr lang="en-US"/>
+          </a:p>
+        </p:txBody>
+      </p:sp>
+      <p:sp>
+        <p:nvSpPr>
+          <p:cNvPr id="83" name="Freeform 82"/>
+          <p:cNvSpPr/>
+          <p:nvPr/>
+        </p:nvSpPr>
+        <p:spPr>
+          <a:xfrm>
+            <a:off x="3874457" y="4552948"/>
+            <a:ext cx="227791" cy="738188"/>
+          </a:xfrm>
+          <a:custGeom>
+            <a:avLst/>
+            <a:gdLst>
+              <a:gd name="connsiteX0" fmla="*/ 87939 w 227791"/>
+              <a:gd name="connsiteY0" fmla="*/ 0 h 738188"/>
+              <a:gd name="connsiteX1" fmla="*/ 226052 w 227791"/>
+              <a:gd name="connsiteY1" fmla="*/ 223838 h 738188"/>
+              <a:gd name="connsiteX2" fmla="*/ 2214 w 227791"/>
+              <a:gd name="connsiteY2" fmla="*/ 509588 h 738188"/>
+              <a:gd name="connsiteX3" fmla="*/ 130802 w 227791"/>
+              <a:gd name="connsiteY3" fmla="*/ 738188 h 738188"/>
+            </a:gdLst>
+            <a:ahLst/>
+            <a:cxnLst>
+              <a:cxn ang="0">
+                <a:pos x="connsiteX0" y="connsiteY0"/>
+              </a:cxn>
+              <a:cxn ang="0">
+                <a:pos x="connsiteX1" y="connsiteY1"/>
+              </a:cxn>
+              <a:cxn ang="0">
+                <a:pos x="connsiteX2" y="connsiteY2"/>
+              </a:cxn>
+              <a:cxn ang="0">
+                <a:pos x="connsiteX3" y="connsiteY3"/>
+              </a:cxn>
+            </a:cxnLst>
+            <a:rect l="l" t="t" r="r" b="b"/>
+            <a:pathLst>
+              <a:path w="227791" h="738188">
+                <a:moveTo>
+                  <a:pt x="87939" y="0"/>
+                </a:moveTo>
+                <a:cubicBezTo>
+                  <a:pt x="164139" y="69453"/>
+                  <a:pt x="240340" y="138907"/>
+                  <a:pt x="226052" y="223838"/>
+                </a:cubicBezTo>
+                <a:cubicBezTo>
+                  <a:pt x="211765" y="308769"/>
+                  <a:pt x="18089" y="423863"/>
+                  <a:pt x="2214" y="509588"/>
+                </a:cubicBezTo>
+                <a:cubicBezTo>
+                  <a:pt x="-13661" y="595313"/>
+                  <a:pt x="58570" y="666750"/>
+                  <a:pt x="130802" y="738188"/>
+                </a:cubicBezTo>
+              </a:path>
+            </a:pathLst>
+          </a:custGeom>
+          <a:noFill/>
+          <a:ln w="9525">
+            <a:solidFill>
+              <a:schemeClr val="tx1"/>
+            </a:solidFill>
+          </a:ln>
+        </p:spPr>
+        <p:style>
+          <a:lnRef idx="2">
+            <a:schemeClr val="accent1">
+              <a:shade val="50000"/>
+            </a:schemeClr>
+          </a:lnRef>
+          <a:fillRef idx="1">
+            <a:schemeClr val="accent1"/>
+          </a:fillRef>
+          <a:effectRef idx="0">
+            <a:schemeClr val="accent1"/>
+          </a:effectRef>
+          <a:fontRef idx="minor">
+            <a:schemeClr val="lt1"/>
+          </a:fontRef>
+        </p:style>
+        <p:txBody>
+          <a:bodyPr rtlCol="0" anchor="ctr"/>
+          <a:lstStyle/>
+          <a:p>
+            <a:pPr algn="ctr"/>
+            <a:endParaRPr lang="en-US"/>
+          </a:p>
+        </p:txBody>
+      </p:sp>
+      <p:sp>
+        <p:nvSpPr>
+          <p:cNvPr id="85" name="Oval 84"/>
+          <p:cNvSpPr/>
+          <p:nvPr/>
+        </p:nvSpPr>
+        <p:spPr>
+          <a:xfrm>
+            <a:off x="4775527" y="4838696"/>
+            <a:ext cx="76200" cy="76200"/>
+          </a:xfrm>
+          <a:prstGeom prst="ellipse">
+            <a:avLst/>
+          </a:prstGeom>
+          <a:solidFill>
+            <a:schemeClr val="tx1"/>
+          </a:solidFill>
+          <a:ln>
+            <a:noFill/>
+          </a:ln>
+        </p:spPr>
+        <p:style>
+          <a:lnRef idx="2">
+            <a:schemeClr val="accent1">
+              <a:shade val="50000"/>
+            </a:schemeClr>
+          </a:lnRef>
+          <a:fillRef idx="1">
+            <a:schemeClr val="accent1"/>
+          </a:fillRef>
+          <a:effectRef idx="0">
+            <a:schemeClr val="accent1"/>
+          </a:effectRef>
+          <a:fontRef idx="minor">
+            <a:schemeClr val="lt1"/>
+          </a:fontRef>
+        </p:style>
+        <p:txBody>
+          <a:bodyPr rtlCol="0" anchor="ctr"/>
+          <a:lstStyle/>
+          <a:p>
+            <a:pPr algn="ctr"/>
+            <a:endParaRPr lang="en-US"/>
+          </a:p>
+        </p:txBody>
+      </p:sp>
+      <p:sp>
+        <p:nvSpPr>
+          <p:cNvPr id="86" name="Oval 85"/>
+          <p:cNvSpPr/>
+          <p:nvPr/>
+        </p:nvSpPr>
+        <p:spPr>
+          <a:xfrm>
+            <a:off x="5351197" y="4838692"/>
+            <a:ext cx="76200" cy="76200"/>
+          </a:xfrm>
+          <a:prstGeom prst="ellipse">
+            <a:avLst/>
+          </a:prstGeom>
+          <a:solidFill>
+            <a:schemeClr val="tx1"/>
+          </a:solidFill>
+          <a:ln>
+            <a:noFill/>
+          </a:ln>
+        </p:spPr>
+        <p:style>
+          <a:lnRef idx="2">
+            <a:schemeClr val="accent1">
+              <a:shade val="50000"/>
+            </a:schemeClr>
+          </a:lnRef>
+          <a:fillRef idx="1">
+            <a:schemeClr val="accent1"/>
+          </a:fillRef>
+          <a:effectRef idx="0">
+            <a:schemeClr val="accent1"/>
+          </a:effectRef>
+          <a:fontRef idx="minor">
+            <a:schemeClr val="lt1"/>
+          </a:fontRef>
+        </p:style>
+        <p:txBody>
+          <a:bodyPr rtlCol="0" anchor="ctr"/>
+          <a:lstStyle/>
+          <a:p>
+            <a:pPr algn="ctr"/>
+            <a:endParaRPr lang="en-US"/>
+          </a:p>
+        </p:txBody>
+      </p:sp>
+      <mc:AlternateContent xmlns:mc="http://schemas.openxmlformats.org/markup-compatibility/2006" xmlns:a14="http://schemas.microsoft.com/office/drawing/2010/main">
+        <mc:Choice Requires="a14">
+          <p:sp>
+            <p:nvSpPr>
+              <p:cNvPr id="88" name="TextBox 87"/>
+              <p:cNvSpPr txBox="1"/>
+              <p:nvPr/>
+            </p:nvSpPr>
+            <p:spPr>
+              <a:xfrm>
+                <a:off x="2751002" y="4901203"/>
+                <a:ext cx="413959" cy="307777"/>
+              </a:xfrm>
+              <a:prstGeom prst="rect">
+                <a:avLst/>
+              </a:prstGeom>
+              <a:noFill/>
+            </p:spPr>
+            <p:txBody>
+              <a:bodyPr wrap="none" rtlCol="0">
+                <a:spAutoFit/>
+              </a:bodyPr>
+              <a:lstStyle/>
+              <a:p>
+                <a:pPr/>
+                <a14:m>
+                  <m:oMathPara xmlns:m="http://schemas.openxmlformats.org/officeDocument/2006/math">
+                    <m:oMathParaPr>
+                      <m:jc m:val="centerGroup"/>
+                    </m:oMathParaPr>
+                    <m:oMath xmlns:m="http://schemas.openxmlformats.org/officeDocument/2006/math">
+                      <m:sSub>
+                        <m:sSubPr>
+                          <m:ctrlPr>
+                            <a:rPr lang="en-US" sz="1400" b="0" i="1" smtClean="0">
+                              <a:latin typeface="Cambria Math"/>
+                            </a:rPr>
+                          </m:ctrlPr>
+                        </m:sSubPr>
+                        <m:e>
+                          <m:r>
+                            <a:rPr lang="en-US" sz="1400" b="0" i="1" smtClean="0">
+                              <a:latin typeface="Cambria Math"/>
+                            </a:rPr>
+                            <m:t>𝑎</m:t>
+                          </m:r>
+                        </m:e>
+                        <m:sub>
+                          <m:r>
+                            <a:rPr lang="en-US" sz="1400" b="0" i="1" smtClean="0">
+                              <a:latin typeface="Cambria Math"/>
+                            </a:rPr>
+                            <m:t>2</m:t>
+                          </m:r>
+                        </m:sub>
+                      </m:sSub>
+                    </m:oMath>
+                  </m:oMathPara>
+                </a14:m>
+                <a:endParaRPr lang="en-US" sz="1400" dirty="0"/>
+              </a:p>
+            </p:txBody>
+          </p:sp>
+        </mc:Choice>
+        <mc:Fallback xmlns="">
+          <p:sp>
+            <p:nvSpPr>
+              <p:cNvPr id="88" name="TextBox 87"/>
+              <p:cNvSpPr txBox="1">
+                <a:spLocks noRot="1" noChangeAspect="1" noMove="1" noResize="1" noEditPoints="1" noAdjustHandles="1" noChangeArrowheads="1" noChangeShapeType="1" noTextEdit="1"/>
+              </p:cNvSpPr>
+              <p:nvPr/>
+            </p:nvSpPr>
+            <p:spPr>
+              <a:xfrm>
+                <a:off x="2751002" y="4901203"/>
+                <a:ext cx="413959" cy="307777"/>
+              </a:xfrm>
+              <a:prstGeom prst="rect">
+                <a:avLst/>
+              </a:prstGeom>
+              <a:blipFill rotWithShape="1">
+                <a:blip r:embed="rId14"/>
+                <a:stretch>
+                  <a:fillRect/>
+                </a:stretch>
+              </a:blipFill>
+            </p:spPr>
+            <p:txBody>
+              <a:bodyPr/>
+              <a:lstStyle/>
+              <a:p>
+                <a:r>
+                  <a:rPr lang="en-US">
+                    <a:noFill/>
+                  </a:rPr>
+                  <a:t> </a:t>
+                </a:r>
+              </a:p>
+            </p:txBody>
+          </p:sp>
+        </mc:Fallback>
+      </mc:AlternateContent>
+      <mc:AlternateContent xmlns:mc="http://schemas.openxmlformats.org/markup-compatibility/2006" xmlns:a14="http://schemas.microsoft.com/office/drawing/2010/main">
+        <mc:Choice Requires="a14">
+          <p:sp>
+            <p:nvSpPr>
+              <p:cNvPr id="89" name="TextBox 88"/>
+              <p:cNvSpPr txBox="1"/>
+              <p:nvPr/>
+            </p:nvSpPr>
+            <p:spPr>
+              <a:xfrm>
+                <a:off x="3401491" y="4915484"/>
+                <a:ext cx="405047" cy="307777"/>
+              </a:xfrm>
+              <a:prstGeom prst="rect">
+                <a:avLst/>
+              </a:prstGeom>
+              <a:noFill/>
+            </p:spPr>
+            <p:txBody>
+              <a:bodyPr wrap="none" rtlCol="0">
+                <a:spAutoFit/>
+              </a:bodyPr>
+              <a:lstStyle/>
+              <a:p>
+                <a:pPr/>
+                <a14:m>
+                  <m:oMathPara xmlns:m="http://schemas.openxmlformats.org/officeDocument/2006/math">
+                    <m:oMathParaPr>
+                      <m:jc m:val="centerGroup"/>
+                    </m:oMathParaPr>
+                    <m:oMath xmlns:m="http://schemas.openxmlformats.org/officeDocument/2006/math">
+                      <m:sSub>
+                        <m:sSubPr>
+                          <m:ctrlPr>
+                            <a:rPr lang="en-US" sz="1400" b="0" i="1" smtClean="0">
+                              <a:latin typeface="Cambria Math"/>
+                            </a:rPr>
+                          </m:ctrlPr>
+                        </m:sSubPr>
+                        <m:e>
+                          <m:r>
+                            <a:rPr lang="en-US" sz="1400" b="0" i="1" smtClean="0">
+                              <a:latin typeface="Cambria Math"/>
+                            </a:rPr>
+                            <m:t>𝑏</m:t>
+                          </m:r>
+                        </m:e>
+                        <m:sub>
+                          <m:r>
+                            <a:rPr lang="en-US" sz="1400" b="0" i="1" smtClean="0">
+                              <a:latin typeface="Cambria Math"/>
+                            </a:rPr>
+                            <m:t>2</m:t>
+                          </m:r>
+                        </m:sub>
+                      </m:sSub>
+                    </m:oMath>
+                  </m:oMathPara>
+                </a14:m>
+                <a:endParaRPr lang="en-US" sz="1400" dirty="0"/>
+              </a:p>
+            </p:txBody>
+          </p:sp>
+        </mc:Choice>
+        <mc:Fallback xmlns="">
+          <p:sp>
+            <p:nvSpPr>
+              <p:cNvPr id="89" name="TextBox 88"/>
+              <p:cNvSpPr txBox="1">
+                <a:spLocks noRot="1" noChangeAspect="1" noMove="1" noResize="1" noEditPoints="1" noAdjustHandles="1" noChangeArrowheads="1" noChangeShapeType="1" noTextEdit="1"/>
+              </p:cNvSpPr>
+              <p:nvPr/>
+            </p:nvSpPr>
+            <p:spPr>
+              <a:xfrm>
+                <a:off x="3401491" y="4915484"/>
+                <a:ext cx="405047" cy="307777"/>
+              </a:xfrm>
+              <a:prstGeom prst="rect">
+                <a:avLst/>
+              </a:prstGeom>
+              <a:blipFill rotWithShape="1">
+                <a:blip r:embed="rId15"/>
+                <a:stretch>
+                  <a:fillRect/>
+                </a:stretch>
+              </a:blipFill>
+            </p:spPr>
+            <p:txBody>
+              <a:bodyPr/>
+              <a:lstStyle/>
+              <a:p>
+                <a:r>
+                  <a:rPr lang="en-US">
+                    <a:noFill/>
+                  </a:rPr>
+                  <a:t> </a:t>
+                </a:r>
+              </a:p>
+            </p:txBody>
+          </p:sp>
+        </mc:Fallback>
+      </mc:AlternateContent>
+      <p:sp>
+        <p:nvSpPr>
+          <p:cNvPr id="90" name="TextBox 89"/>
+          <p:cNvSpPr txBox="1"/>
+          <p:nvPr/>
+        </p:nvSpPr>
+        <p:spPr>
+          <a:xfrm>
+            <a:off x="1991891" y="4583668"/>
+            <a:ext cx="300082" cy="369332"/>
+          </a:xfrm>
+          <a:prstGeom prst="rect">
+            <a:avLst/>
+          </a:prstGeom>
+          <a:noFill/>
+        </p:spPr>
+        <p:txBody>
+          <a:bodyPr wrap="none" rtlCol="0">
+            <a:spAutoFit/>
+          </a:bodyPr>
+          <a:lstStyle/>
+          <a:p>
+            <a:r>
+              <a:rPr lang="en-US" dirty="0" smtClean="0"/>
+              <a:t>+</a:t>
+            </a:r>
+            <a:endParaRPr lang="en-US" dirty="0"/>
+          </a:p>
+        </p:txBody>
+      </p:sp>
+      <p:sp>
+        <p:nvSpPr>
+          <p:cNvPr id="91" name="TextBox 90"/>
+          <p:cNvSpPr txBox="1"/>
+          <p:nvPr/>
+        </p:nvSpPr>
+        <p:spPr>
+          <a:xfrm>
+            <a:off x="3124155" y="4581526"/>
+            <a:ext cx="300082" cy="369332"/>
+          </a:xfrm>
+          <a:prstGeom prst="rect">
+            <a:avLst/>
+          </a:prstGeom>
+          <a:noFill/>
+        </p:spPr>
+        <p:txBody>
+          <a:bodyPr wrap="none" rtlCol="0">
+            <a:spAutoFit/>
+          </a:bodyPr>
+          <a:lstStyle/>
+          <a:p>
+            <a:r>
+              <a:rPr lang="en-US" dirty="0" smtClean="0"/>
+              <a:t>+</a:t>
+            </a:r>
+            <a:endParaRPr lang="en-US" dirty="0"/>
+          </a:p>
+        </p:txBody>
+      </p:sp>
+      <p:sp>
+        <p:nvSpPr>
+          <p:cNvPr id="92" name="TextBox 91"/>
+          <p:cNvSpPr txBox="1"/>
+          <p:nvPr/>
+        </p:nvSpPr>
+        <p:spPr>
+          <a:xfrm>
+            <a:off x="4979170" y="4581526"/>
+            <a:ext cx="300082" cy="369332"/>
+          </a:xfrm>
+          <a:prstGeom prst="rect">
+            <a:avLst/>
+          </a:prstGeom>
+          <a:noFill/>
+        </p:spPr>
+        <p:txBody>
+          <a:bodyPr wrap="none" rtlCol="0">
+            <a:spAutoFit/>
+          </a:bodyPr>
+          <a:lstStyle/>
+          <a:p>
+            <a:r>
+              <a:rPr lang="en-US" dirty="0" smtClean="0"/>
+              <a:t>+</a:t>
+            </a:r>
+            <a:endParaRPr lang="en-US" dirty="0"/>
+          </a:p>
+        </p:txBody>
+      </p:sp>
+      <p:sp>
+        <p:nvSpPr>
+          <p:cNvPr id="93" name="TextBox 92"/>
+          <p:cNvSpPr txBox="1"/>
+          <p:nvPr/>
+        </p:nvSpPr>
+        <p:spPr>
+          <a:xfrm>
+            <a:off x="6207896" y="4581526"/>
+            <a:ext cx="300082" cy="369332"/>
+          </a:xfrm>
+          <a:prstGeom prst="rect">
+            <a:avLst/>
+          </a:prstGeom>
+          <a:noFill/>
+        </p:spPr>
+        <p:txBody>
+          <a:bodyPr wrap="none" rtlCol="0">
+            <a:spAutoFit/>
+          </a:bodyPr>
+          <a:lstStyle/>
+          <a:p>
+            <a:r>
+              <a:rPr lang="en-US" dirty="0" smtClean="0">
+                <a:solidFill>
+                  <a:srgbClr val="FF0000"/>
+                </a:solidFill>
+              </a:rPr>
+              <a:t>+</a:t>
+            </a:r>
+            <a:endParaRPr lang="en-US" dirty="0">
+              <a:solidFill>
+                <a:srgbClr val="FF0000"/>
+              </a:solidFill>
+            </a:endParaRPr>
+          </a:p>
+        </p:txBody>
+      </p:sp>
+      <p:sp>
+        <p:nvSpPr>
+          <p:cNvPr id="94" name="TextBox 93"/>
+          <p:cNvSpPr txBox="1"/>
+          <p:nvPr/>
+        </p:nvSpPr>
+        <p:spPr>
+          <a:xfrm>
+            <a:off x="5719380" y="4574142"/>
+            <a:ext cx="255198" cy="369332"/>
+          </a:xfrm>
+          <a:prstGeom prst="rect">
+            <a:avLst/>
+          </a:prstGeom>
+          <a:noFill/>
+        </p:spPr>
+        <p:txBody>
+          <a:bodyPr wrap="none" rtlCol="0">
+            <a:spAutoFit/>
+          </a:bodyPr>
+          <a:lstStyle/>
+          <a:p>
+            <a:r>
+              <a:rPr lang="en-US" dirty="0" smtClean="0"/>
+              <a:t>-</a:t>
+            </a:r>
+            <a:endParaRPr lang="en-US" dirty="0"/>
+          </a:p>
+        </p:txBody>
+      </p:sp>
+      <p:sp>
+        <p:nvSpPr>
+          <p:cNvPr id="95" name="TextBox 94"/>
+          <p:cNvSpPr txBox="1"/>
+          <p:nvPr/>
+        </p:nvSpPr>
+        <p:spPr>
+          <a:xfrm>
+            <a:off x="4298178" y="4576763"/>
+            <a:ext cx="255198" cy="369332"/>
+          </a:xfrm>
+          <a:prstGeom prst="rect">
+            <a:avLst/>
+          </a:prstGeom>
+          <a:noFill/>
+        </p:spPr>
+        <p:txBody>
+          <a:bodyPr wrap="none" rtlCol="0">
+            <a:spAutoFit/>
+          </a:bodyPr>
+          <a:lstStyle/>
+          <a:p>
+            <a:r>
+              <a:rPr lang="en-US" dirty="0" smtClean="0"/>
+              <a:t>-</a:t>
+            </a:r>
+            <a:endParaRPr lang="en-US" dirty="0"/>
+          </a:p>
+        </p:txBody>
+      </p:sp>
+      <p:sp>
+        <p:nvSpPr>
+          <p:cNvPr id="96" name="TextBox 95"/>
+          <p:cNvSpPr txBox="1"/>
+          <p:nvPr/>
+        </p:nvSpPr>
+        <p:spPr>
+          <a:xfrm>
+            <a:off x="3733800" y="4581526"/>
+            <a:ext cx="255198" cy="369332"/>
+          </a:xfrm>
+          <a:prstGeom prst="rect">
+            <a:avLst/>
+          </a:prstGeom>
+          <a:noFill/>
+        </p:spPr>
+        <p:txBody>
+          <a:bodyPr wrap="none" rtlCol="0">
+            <a:spAutoFit/>
+          </a:bodyPr>
+          <a:lstStyle/>
+          <a:p>
+            <a:r>
+              <a:rPr lang="en-US" dirty="0" smtClean="0"/>
+              <a:t>-</a:t>
+            </a:r>
+            <a:endParaRPr lang="en-US" dirty="0"/>
+          </a:p>
+        </p:txBody>
+      </p:sp>
+      <p:sp>
+        <p:nvSpPr>
+          <p:cNvPr id="97" name="TextBox 96"/>
+          <p:cNvSpPr txBox="1"/>
+          <p:nvPr/>
+        </p:nvSpPr>
+        <p:spPr>
+          <a:xfrm>
+            <a:off x="2590800" y="4581526"/>
+            <a:ext cx="255198" cy="369332"/>
+          </a:xfrm>
+          <a:prstGeom prst="rect">
+            <a:avLst/>
+          </a:prstGeom>
+          <a:noFill/>
+        </p:spPr>
+        <p:txBody>
+          <a:bodyPr wrap="none" rtlCol="0">
+            <a:spAutoFit/>
+          </a:bodyPr>
+          <a:lstStyle/>
+          <a:p>
+            <a:r>
+              <a:rPr lang="en-US" dirty="0" smtClean="0"/>
+              <a:t>-</a:t>
+            </a:r>
+            <a:endParaRPr lang="en-US" dirty="0"/>
+          </a:p>
+        </p:txBody>
+      </p:sp>
     </p:spTree>
     <p:extLst>
       <p:ext uri="{BB962C8B-B14F-4D97-AF65-F5344CB8AC3E}">
